--- a/company-chatbot/Product-pipeline-docs/1.process-pipeline.pptx
+++ b/company-chatbot/Product-pipeline-docs/1.process-pipeline.pptx
@@ -5,7 +5,9 @@
     <p:sldMasterId id="2147483648" r:id="rId1"/>
   </p:sldMasterIdLst>
   <p:sldIdLst>
-    <p:sldId id="256" r:id="rId2"/>
+    <p:sldId id="257" r:id="rId2"/>
+    <p:sldId id="258" r:id="rId3"/>
+    <p:sldId id="259" r:id="rId4"/>
   </p:sldIdLst>
   <p:sldSz cx="12192000" cy="6858000"/>
   <p:notesSz cx="6858000" cy="9144000"/>
@@ -104,6 +106,11 @@
       </a:defRPr>
     </a:lvl9pPr>
   </p:defaultTextStyle>
+  <p:extLst>
+    <p:ext uri="{EFAFB233-063F-42B5-8137-9DF3F51BA10A}">
+      <p15:sldGuideLst xmlns:p15="http://schemas.microsoft.com/office/powerpoint/2012/main"/>
+    </p:ext>
+  </p:extLst>
 </p:presentation>
 </file>
 
@@ -254,7 +261,7 @@
           <a:p>
             <a:fld id="{D3A5ABD0-A314-4E95-833A-C339349FAC0D}" type="datetimeFigureOut">
               <a:rPr lang="en-US" smtClean="0"/>
-              <a:t>12/23/2024</a:t>
+              <a:t>1/3/2025</a:t>
             </a:fld>
             <a:endParaRPr lang="en-US"/>
           </a:p>
@@ -452,7 +459,7 @@
           <a:p>
             <a:fld id="{D3A5ABD0-A314-4E95-833A-C339349FAC0D}" type="datetimeFigureOut">
               <a:rPr lang="en-US" smtClean="0"/>
-              <a:t>12/23/2024</a:t>
+              <a:t>1/3/2025</a:t>
             </a:fld>
             <a:endParaRPr lang="en-US"/>
           </a:p>
@@ -660,7 +667,7 @@
           <a:p>
             <a:fld id="{D3A5ABD0-A314-4E95-833A-C339349FAC0D}" type="datetimeFigureOut">
               <a:rPr lang="en-US" smtClean="0"/>
-              <a:t>12/23/2024</a:t>
+              <a:t>1/3/2025</a:t>
             </a:fld>
             <a:endParaRPr lang="en-US"/>
           </a:p>
@@ -858,7 +865,7 @@
           <a:p>
             <a:fld id="{D3A5ABD0-A314-4E95-833A-C339349FAC0D}" type="datetimeFigureOut">
               <a:rPr lang="en-US" smtClean="0"/>
-              <a:t>12/23/2024</a:t>
+              <a:t>1/3/2025</a:t>
             </a:fld>
             <a:endParaRPr lang="en-US"/>
           </a:p>
@@ -1133,7 +1140,7 @@
           <a:p>
             <a:fld id="{D3A5ABD0-A314-4E95-833A-C339349FAC0D}" type="datetimeFigureOut">
               <a:rPr lang="en-US" smtClean="0"/>
-              <a:t>12/23/2024</a:t>
+              <a:t>1/3/2025</a:t>
             </a:fld>
             <a:endParaRPr lang="en-US"/>
           </a:p>
@@ -1398,7 +1405,7 @@
           <a:p>
             <a:fld id="{D3A5ABD0-A314-4E95-833A-C339349FAC0D}" type="datetimeFigureOut">
               <a:rPr lang="en-US" smtClean="0"/>
-              <a:t>12/23/2024</a:t>
+              <a:t>1/3/2025</a:t>
             </a:fld>
             <a:endParaRPr lang="en-US"/>
           </a:p>
@@ -1810,7 +1817,7 @@
           <a:p>
             <a:fld id="{D3A5ABD0-A314-4E95-833A-C339349FAC0D}" type="datetimeFigureOut">
               <a:rPr lang="en-US" smtClean="0"/>
-              <a:t>12/23/2024</a:t>
+              <a:t>1/3/2025</a:t>
             </a:fld>
             <a:endParaRPr lang="en-US"/>
           </a:p>
@@ -1951,7 +1958,7 @@
           <a:p>
             <a:fld id="{D3A5ABD0-A314-4E95-833A-C339349FAC0D}" type="datetimeFigureOut">
               <a:rPr lang="en-US" smtClean="0"/>
-              <a:t>12/23/2024</a:t>
+              <a:t>1/3/2025</a:t>
             </a:fld>
             <a:endParaRPr lang="en-US"/>
           </a:p>
@@ -2064,7 +2071,7 @@
           <a:p>
             <a:fld id="{D3A5ABD0-A314-4E95-833A-C339349FAC0D}" type="datetimeFigureOut">
               <a:rPr lang="en-US" smtClean="0"/>
-              <a:t>12/23/2024</a:t>
+              <a:t>1/3/2025</a:t>
             </a:fld>
             <a:endParaRPr lang="en-US"/>
           </a:p>
@@ -2375,7 +2382,7 @@
           <a:p>
             <a:fld id="{D3A5ABD0-A314-4E95-833A-C339349FAC0D}" type="datetimeFigureOut">
               <a:rPr lang="en-US" smtClean="0"/>
-              <a:t>12/23/2024</a:t>
+              <a:t>1/3/2025</a:t>
             </a:fld>
             <a:endParaRPr lang="en-US"/>
           </a:p>
@@ -2663,7 +2670,7 @@
           <a:p>
             <a:fld id="{D3A5ABD0-A314-4E95-833A-C339349FAC0D}" type="datetimeFigureOut">
               <a:rPr lang="en-US" smtClean="0"/>
-              <a:t>12/23/2024</a:t>
+              <a:t>1/3/2025</a:t>
             </a:fld>
             <a:endParaRPr lang="en-US"/>
           </a:p>
@@ -2904,7 +2911,7 @@
           <a:p>
             <a:fld id="{D3A5ABD0-A314-4E95-833A-C339349FAC0D}" type="datetimeFigureOut">
               <a:rPr lang="en-US" smtClean="0"/>
-              <a:t>12/23/2024</a:t>
+              <a:t>1/3/2025</a:t>
             </a:fld>
             <a:endParaRPr lang="en-US"/>
           </a:p>
@@ -3326,7 +3333,7 @@
           <p:cNvPr id="2" name="Title 1">
             <a:extLst>
               <a:ext uri="{FF2B5EF4-FFF2-40B4-BE49-F238E27FC236}">
-                <a16:creationId xmlns:a16="http://schemas.microsoft.com/office/drawing/2014/main" id="{A2579ACC-59A3-575F-25C6-065A6810973C}"/>
+                <a16:creationId xmlns:a16="http://schemas.microsoft.com/office/drawing/2014/main" id="{4E02A08C-B722-8827-6BF7-32E00B234641}"/>
               </a:ext>
             </a:extLst>
           </p:cNvPr>
@@ -3342,7 +3349,11 @@
           <a:bodyPr/>
           <a:lstStyle/>
           <a:p>
-            <a:endParaRPr lang="en-US"/>
+            <a:r>
+              <a:rPr lang="en-GB" dirty="0"/>
+              <a:t>Process flow (Part 1 &amp; 2)</a:t>
+            </a:r>
+            <a:endParaRPr lang="en-US" dirty="0"/>
           </a:p>
         </p:txBody>
       </p:sp>
@@ -3351,7 +3362,7 @@
           <p:cNvPr id="3" name="Subtitle 2">
             <a:extLst>
               <a:ext uri="{FF2B5EF4-FFF2-40B4-BE49-F238E27FC236}">
-                <a16:creationId xmlns:a16="http://schemas.microsoft.com/office/drawing/2014/main" id="{86D1A231-FBBD-BF50-FA41-80D547F52D40}"/>
+                <a16:creationId xmlns:a16="http://schemas.microsoft.com/office/drawing/2014/main" id="{12F896E8-E01F-1542-3DE7-696A2AFA63E8}"/>
               </a:ext>
             </a:extLst>
           </p:cNvPr>
@@ -3367,14 +3378,254 @@
           <a:bodyPr/>
           <a:lstStyle/>
           <a:p>
-            <a:endParaRPr lang="en-US"/>
+            <a:pPr marL="342900" indent="-342900" algn="l">
+              <a:buFont typeface="Arial" panose="020B0604020202020204" pitchFamily="34" charset="0"/>
+              <a:buChar char="•"/>
+            </a:pPr>
+            <a:r>
+              <a:rPr lang="en-GB" dirty="0"/>
+              <a:t>Part 1 : defining intents and collecting inputs</a:t>
+            </a:r>
+          </a:p>
+          <a:p>
+            <a:pPr marL="342900" indent="-342900" algn="l">
+              <a:buFont typeface="Arial" panose="020B0604020202020204" pitchFamily="34" charset="0"/>
+              <a:buChar char="•"/>
+            </a:pPr>
+            <a:r>
+              <a:rPr lang="en-GB" dirty="0"/>
+              <a:t>Part 2 : Actually handling inquiry</a:t>
+            </a:r>
+          </a:p>
+          <a:p>
+            <a:pPr marL="342900" indent="-342900" algn="l">
+              <a:buFont typeface="Arial" panose="020B0604020202020204" pitchFamily="34" charset="0"/>
+              <a:buChar char="•"/>
+            </a:pPr>
+            <a:endParaRPr lang="en-US" dirty="0"/>
           </a:p>
         </p:txBody>
       </p:sp>
     </p:spTree>
     <p:extLst>
       <p:ext uri="{BB962C8B-B14F-4D97-AF65-F5344CB8AC3E}">
-        <p14:creationId xmlns:p14="http://schemas.microsoft.com/office/powerpoint/2010/main" val="3716125995"/>
+        <p14:creationId xmlns:p14="http://schemas.microsoft.com/office/powerpoint/2010/main" val="343808364"/>
+      </p:ext>
+    </p:extLst>
+  </p:cSld>
+  <p:clrMapOvr>
+    <a:masterClrMapping/>
+  </p:clrMapOvr>
+</p:sld>
+</file>
+
+<file path=ppt/slides/slide2.xml><?xml version="1.0" encoding="utf-8"?>
+<p:sld xmlns:a="http://schemas.openxmlformats.org/drawingml/2006/main" xmlns:r="http://schemas.openxmlformats.org/officeDocument/2006/relationships" xmlns:p="http://schemas.openxmlformats.org/presentationml/2006/main">
+  <p:cSld>
+    <p:spTree>
+      <p:nvGrpSpPr>
+        <p:cNvPr id="1" name=""/>
+        <p:cNvGrpSpPr/>
+        <p:nvPr/>
+      </p:nvGrpSpPr>
+      <p:grpSpPr>
+        <a:xfrm>
+          <a:off x="0" y="0"/>
+          <a:ext cx="0" cy="0"/>
+          <a:chOff x="0" y="0"/>
+          <a:chExt cx="0" cy="0"/>
+        </a:xfrm>
+      </p:grpSpPr>
+      <p:pic>
+        <p:nvPicPr>
+          <p:cNvPr id="13" name="Picture 12">
+            <a:extLst>
+              <a:ext uri="{FF2B5EF4-FFF2-40B4-BE49-F238E27FC236}">
+                <a16:creationId xmlns:a16="http://schemas.microsoft.com/office/drawing/2014/main" id="{A7A4F109-68CF-A191-5BB9-DDAADC36B062}"/>
+              </a:ext>
+            </a:extLst>
+          </p:cNvPr>
+          <p:cNvPicPr>
+            <a:picLocks noChangeAspect="1"/>
+          </p:cNvPicPr>
+          <p:nvPr/>
+        </p:nvPicPr>
+        <p:blipFill rotWithShape="1">
+          <a:blip r:embed="rId2">
+            <a:extLst>
+              <a:ext uri="{28A0092B-C50C-407E-A947-70E740481C1C}">
+                <a14:useLocalDpi xmlns:a14="http://schemas.microsoft.com/office/drawing/2010/main" val="0"/>
+              </a:ext>
+            </a:extLst>
+          </a:blip>
+          <a:srcRect l="19336" r="26105" b="11246"/>
+          <a:stretch/>
+        </p:blipFill>
+        <p:spPr>
+          <a:xfrm>
+            <a:off x="3400523" y="90054"/>
+            <a:ext cx="5390954" cy="6677891"/>
+          </a:xfrm>
+          <a:prstGeom prst="rect">
+            <a:avLst/>
+          </a:prstGeom>
+        </p:spPr>
+      </p:pic>
+      <p:sp>
+        <p:nvSpPr>
+          <p:cNvPr id="14" name="TextBox 13">
+            <a:extLst>
+              <a:ext uri="{FF2B5EF4-FFF2-40B4-BE49-F238E27FC236}">
+                <a16:creationId xmlns:a16="http://schemas.microsoft.com/office/drawing/2014/main" id="{172302BB-6A3E-5C23-8F90-EE5382BE9C14}"/>
+              </a:ext>
+            </a:extLst>
+          </p:cNvPr>
+          <p:cNvSpPr txBox="1"/>
+          <p:nvPr/>
+        </p:nvSpPr>
+        <p:spPr>
+          <a:xfrm>
+            <a:off x="1779705" y="865305"/>
+            <a:ext cx="1094852" cy="646331"/>
+          </a:xfrm>
+          <a:prstGeom prst="rect">
+            <a:avLst/>
+          </a:prstGeom>
+          <a:noFill/>
+        </p:spPr>
+        <p:txBody>
+          <a:bodyPr wrap="none" rtlCol="0">
+            <a:spAutoFit/>
+          </a:bodyPr>
+          <a:lstStyle/>
+          <a:p>
+            <a:r>
+              <a:rPr lang="en-GB" dirty="0"/>
+              <a:t>1. input </a:t>
+            </a:r>
+            <a:br>
+              <a:rPr lang="en-GB" dirty="0"/>
+            </a:br>
+            <a:r>
+              <a:rPr lang="en-GB" dirty="0"/>
+              <a:t>collection</a:t>
+            </a:r>
+            <a:endParaRPr lang="en-US" dirty="0"/>
+          </a:p>
+        </p:txBody>
+      </p:sp>
+    </p:spTree>
+    <p:extLst>
+      <p:ext uri="{BB962C8B-B14F-4D97-AF65-F5344CB8AC3E}">
+        <p14:creationId xmlns:p14="http://schemas.microsoft.com/office/powerpoint/2010/main" val="3427578163"/>
+      </p:ext>
+    </p:extLst>
+  </p:cSld>
+  <p:clrMapOvr>
+    <a:masterClrMapping/>
+  </p:clrMapOvr>
+</p:sld>
+</file>
+
+<file path=ppt/slides/slide3.xml><?xml version="1.0" encoding="utf-8"?>
+<p:sld xmlns:a="http://schemas.openxmlformats.org/drawingml/2006/main" xmlns:r="http://schemas.openxmlformats.org/officeDocument/2006/relationships" xmlns:p="http://schemas.openxmlformats.org/presentationml/2006/main">
+  <p:cSld>
+    <p:spTree>
+      <p:nvGrpSpPr>
+        <p:cNvPr id="1" name=""/>
+        <p:cNvGrpSpPr/>
+        <p:nvPr/>
+      </p:nvGrpSpPr>
+      <p:grpSpPr>
+        <a:xfrm>
+          <a:off x="0" y="0"/>
+          <a:ext cx="0" cy="0"/>
+          <a:chOff x="0" y="0"/>
+          <a:chExt cx="0" cy="0"/>
+        </a:xfrm>
+      </p:grpSpPr>
+      <p:sp>
+        <p:nvSpPr>
+          <p:cNvPr id="14" name="TextBox 13">
+            <a:extLst>
+              <a:ext uri="{FF2B5EF4-FFF2-40B4-BE49-F238E27FC236}">
+                <a16:creationId xmlns:a16="http://schemas.microsoft.com/office/drawing/2014/main" id="{172302BB-6A3E-5C23-8F90-EE5382BE9C14}"/>
+              </a:ext>
+            </a:extLst>
+          </p:cNvPr>
+          <p:cNvSpPr txBox="1"/>
+          <p:nvPr/>
+        </p:nvSpPr>
+        <p:spPr>
+          <a:xfrm>
+            <a:off x="263325" y="225225"/>
+            <a:ext cx="1594860" cy="646331"/>
+          </a:xfrm>
+          <a:prstGeom prst="rect">
+            <a:avLst/>
+          </a:prstGeom>
+          <a:noFill/>
+        </p:spPr>
+        <p:txBody>
+          <a:bodyPr wrap="none" rtlCol="0">
+            <a:spAutoFit/>
+          </a:bodyPr>
+          <a:lstStyle/>
+          <a:p>
+            <a:r>
+              <a:rPr lang="en-GB" dirty="0"/>
+              <a:t>2. Fulfilment:</a:t>
+            </a:r>
+            <a:br>
+              <a:rPr lang="en-GB" dirty="0"/>
+            </a:br>
+            <a:r>
+              <a:rPr lang="en-GB" dirty="0"/>
+              <a:t>handling query</a:t>
+            </a:r>
+            <a:endParaRPr lang="en-US" dirty="0"/>
+          </a:p>
+        </p:txBody>
+      </p:sp>
+      <p:pic>
+        <p:nvPicPr>
+          <p:cNvPr id="3" name="Picture 2">
+            <a:extLst>
+              <a:ext uri="{FF2B5EF4-FFF2-40B4-BE49-F238E27FC236}">
+                <a16:creationId xmlns:a16="http://schemas.microsoft.com/office/drawing/2014/main" id="{37613BF0-16D0-0FF0-18C5-8694038C0136}"/>
+              </a:ext>
+            </a:extLst>
+          </p:cNvPr>
+          <p:cNvPicPr>
+            <a:picLocks noChangeAspect="1"/>
+          </p:cNvPicPr>
+          <p:nvPr/>
+        </p:nvPicPr>
+        <p:blipFill rotWithShape="1">
+          <a:blip r:embed="rId2">
+            <a:extLst>
+              <a:ext uri="{28A0092B-C50C-407E-A947-70E740481C1C}">
+                <a14:useLocalDpi xmlns:a14="http://schemas.microsoft.com/office/drawing/2010/main" val="0"/>
+              </a:ext>
+            </a:extLst>
+          </a:blip>
+          <a:srcRect l="14803" t="9556" r="23517" b="20000"/>
+          <a:stretch/>
+        </p:blipFill>
+        <p:spPr>
+          <a:xfrm>
+            <a:off x="2432649" y="213958"/>
+            <a:ext cx="7320951" cy="6382216"/>
+          </a:xfrm>
+          <a:prstGeom prst="rect">
+            <a:avLst/>
+          </a:prstGeom>
+        </p:spPr>
+      </p:pic>
+    </p:spTree>
+    <p:extLst>
+      <p:ext uri="{BB962C8B-B14F-4D97-AF65-F5344CB8AC3E}">
+        <p14:creationId xmlns:p14="http://schemas.microsoft.com/office/powerpoint/2010/main" val="507207536"/>
       </p:ext>
     </p:extLst>
   </p:cSld>
